--- a/report/ppt/ppt.pptx
+++ b/report/ppt/ppt.pptx
@@ -242,7 +242,7 @@
           <a:p>
             <a:fld id="{478A01AF-7AD8-4355-A553-EDE7D3DCDFFD}" type="datetimeFigureOut">
               <a:rPr lang="en-US" smtClean="0"/>
-              <a:t>7/3/2017</a:t>
+              <a:t>7/8/2017</a:t>
             </a:fld>
             <a:endParaRPr lang="en-US"/>
           </a:p>
@@ -410,7 +410,7 @@
           <a:p>
             <a:fld id="{478A01AF-7AD8-4355-A553-EDE7D3DCDFFD}" type="datetimeFigureOut">
               <a:rPr lang="en-US" smtClean="0"/>
-              <a:t>7/3/2017</a:t>
+              <a:t>7/8/2017</a:t>
             </a:fld>
             <a:endParaRPr lang="en-US"/>
           </a:p>
@@ -588,7 +588,7 @@
           <a:p>
             <a:fld id="{478A01AF-7AD8-4355-A553-EDE7D3DCDFFD}" type="datetimeFigureOut">
               <a:rPr lang="en-US" smtClean="0"/>
-              <a:t>7/3/2017</a:t>
+              <a:t>7/8/2017</a:t>
             </a:fld>
             <a:endParaRPr lang="en-US"/>
           </a:p>
@@ -756,7 +756,7 @@
           <a:p>
             <a:fld id="{478A01AF-7AD8-4355-A553-EDE7D3DCDFFD}" type="datetimeFigureOut">
               <a:rPr lang="en-US" smtClean="0"/>
-              <a:t>7/3/2017</a:t>
+              <a:t>7/8/2017</a:t>
             </a:fld>
             <a:endParaRPr lang="en-US"/>
           </a:p>
@@ -1001,7 +1001,7 @@
           <a:p>
             <a:fld id="{478A01AF-7AD8-4355-A553-EDE7D3DCDFFD}" type="datetimeFigureOut">
               <a:rPr lang="en-US" smtClean="0"/>
-              <a:t>7/3/2017</a:t>
+              <a:t>7/8/2017</a:t>
             </a:fld>
             <a:endParaRPr lang="en-US"/>
           </a:p>
@@ -1230,7 +1230,7 @@
           <a:p>
             <a:fld id="{478A01AF-7AD8-4355-A553-EDE7D3DCDFFD}" type="datetimeFigureOut">
               <a:rPr lang="en-US" smtClean="0"/>
-              <a:t>7/3/2017</a:t>
+              <a:t>7/8/2017</a:t>
             </a:fld>
             <a:endParaRPr lang="en-US"/>
           </a:p>
@@ -1594,7 +1594,7 @@
           <a:p>
             <a:fld id="{478A01AF-7AD8-4355-A553-EDE7D3DCDFFD}" type="datetimeFigureOut">
               <a:rPr lang="en-US" smtClean="0"/>
-              <a:t>7/3/2017</a:t>
+              <a:t>7/8/2017</a:t>
             </a:fld>
             <a:endParaRPr lang="en-US"/>
           </a:p>
@@ -1711,7 +1711,7 @@
           <a:p>
             <a:fld id="{478A01AF-7AD8-4355-A553-EDE7D3DCDFFD}" type="datetimeFigureOut">
               <a:rPr lang="en-US" smtClean="0"/>
-              <a:t>7/3/2017</a:t>
+              <a:t>7/8/2017</a:t>
             </a:fld>
             <a:endParaRPr lang="en-US"/>
           </a:p>
@@ -1806,7 +1806,7 @@
           <a:p>
             <a:fld id="{478A01AF-7AD8-4355-A553-EDE7D3DCDFFD}" type="datetimeFigureOut">
               <a:rPr lang="en-US" smtClean="0"/>
-              <a:t>7/3/2017</a:t>
+              <a:t>7/8/2017</a:t>
             </a:fld>
             <a:endParaRPr lang="en-US"/>
           </a:p>
@@ -2081,7 +2081,7 @@
           <a:p>
             <a:fld id="{478A01AF-7AD8-4355-A553-EDE7D3DCDFFD}" type="datetimeFigureOut">
               <a:rPr lang="en-US" smtClean="0"/>
-              <a:t>7/3/2017</a:t>
+              <a:t>7/8/2017</a:t>
             </a:fld>
             <a:endParaRPr lang="en-US"/>
           </a:p>
@@ -2333,7 +2333,7 @@
           <a:p>
             <a:fld id="{478A01AF-7AD8-4355-A553-EDE7D3DCDFFD}" type="datetimeFigureOut">
               <a:rPr lang="en-US" smtClean="0"/>
-              <a:t>7/3/2017</a:t>
+              <a:t>7/8/2017</a:t>
             </a:fld>
             <a:endParaRPr lang="en-US"/>
           </a:p>
@@ -2544,7 +2544,7 @@
           <a:p>
             <a:fld id="{478A01AF-7AD8-4355-A553-EDE7D3DCDFFD}" type="datetimeFigureOut">
               <a:rPr lang="en-US" smtClean="0"/>
-              <a:t>7/3/2017</a:t>
+              <a:t>7/8/2017</a:t>
             </a:fld>
             <a:endParaRPr lang="en-US"/>
           </a:p>
@@ -2957,8 +2957,8 @@
         </p:nvSpPr>
         <p:spPr>
           <a:xfrm>
-            <a:off x="292964" y="2672176"/>
-            <a:ext cx="2219417" cy="1411550"/>
+            <a:off x="215488" y="2672176"/>
+            <a:ext cx="2296893" cy="1411550"/>
           </a:xfrm>
           <a:prstGeom prst="ellipse">
             <a:avLst/>
@@ -2969,10 +2969,10 @@
             <a:schemeClr val="lt1"/>
           </a:lnRef>
           <a:fillRef idx="1">
-            <a:schemeClr val="accent3"/>
+            <a:schemeClr val="dk1"/>
           </a:fillRef>
           <a:effectRef idx="1">
-            <a:schemeClr val="accent3"/>
+            <a:schemeClr val="dk1"/>
           </a:effectRef>
           <a:fontRef idx="minor">
             <a:schemeClr val="lt1"/>
@@ -2984,8 +2984,8 @@
           <a:p>
             <a:pPr algn="ctr"/>
             <a:r>
-              <a:rPr lang="en-US" dirty="0"/>
-              <a:t>Graphics-plot</a:t>
+              <a:rPr lang="en-US" sz="2400" dirty="0"/>
+              <a:t>Graphics plot</a:t>
             </a:r>
           </a:p>
         </p:txBody>
@@ -3010,10 +3010,10 @@
             <a:schemeClr val="lt1"/>
           </a:lnRef>
           <a:fillRef idx="1">
-            <a:schemeClr val="accent3"/>
+            <a:schemeClr val="dk1"/>
           </a:fillRef>
           <a:effectRef idx="1">
-            <a:schemeClr val="accent3"/>
+            <a:schemeClr val="dk1"/>
           </a:effectRef>
           <a:fontRef idx="minor">
             <a:schemeClr val="lt1"/>
@@ -3048,10 +3048,10 @@
             <a:schemeClr val="lt1"/>
           </a:lnRef>
           <a:fillRef idx="1">
-            <a:schemeClr val="accent3"/>
+            <a:schemeClr val="dk1"/>
           </a:fillRef>
           <a:effectRef idx="1">
-            <a:schemeClr val="accent3"/>
+            <a:schemeClr val="dk1"/>
           </a:effectRef>
           <a:fontRef idx="minor">
             <a:schemeClr val="lt1"/>
@@ -3063,110 +3063,384 @@
           <a:p>
             <a:pPr algn="ctr"/>
             <a:r>
-              <a:rPr lang="en-US" dirty="0"/>
-              <a:t>Grid-plot</a:t>
-            </a:r>
-          </a:p>
-        </p:txBody>
-      </p:sp>
-      <p:cxnSp>
-        <p:nvCxnSpPr>
-          <p:cNvPr id="9" name="Straight Arrow Connector 8"/>
-          <p:cNvCxnSpPr>
-            <a:stCxn id="4" idx="6"/>
-            <a:endCxn id="6" idx="1"/>
-          </p:cNvCxnSpPr>
+              <a:rPr lang="en-US" sz="2400" dirty="0"/>
+              <a:t>Grid plot</a:t>
+            </a:r>
+          </a:p>
+        </p:txBody>
+      </p:sp>
+      <p:sp>
+        <p:nvSpPr>
+          <p:cNvPr id="16" name="Oval 15"/>
+          <p:cNvSpPr/>
           <p:nvPr/>
-        </p:nvCxnSpPr>
-        <p:spPr>
-          <a:xfrm>
-            <a:off x="2512381" y="3377951"/>
-            <a:ext cx="1541015" cy="0"/>
-          </a:xfrm>
-          <a:prstGeom prst="straightConnector1">
+        </p:nvSpPr>
+        <p:spPr>
+          <a:xfrm>
+            <a:off x="4960860" y="2085473"/>
+            <a:ext cx="2384210" cy="736848"/>
+          </a:xfrm>
+          <a:prstGeom prst="ellipse">
             <a:avLst/>
           </a:prstGeom>
-          <a:ln>
-            <a:tailEnd type="triangle"/>
-          </a:ln>
         </p:spPr>
         <p:style>
-          <a:lnRef idx="1">
-            <a:schemeClr val="accent1"/>
+          <a:lnRef idx="3">
+            <a:schemeClr val="lt1"/>
           </a:lnRef>
-          <a:fillRef idx="0">
+          <a:fillRef idx="1">
+            <a:schemeClr val="dk1"/>
+          </a:fillRef>
+          <a:effectRef idx="1">
+            <a:schemeClr val="dk1"/>
+          </a:effectRef>
+          <a:fontRef idx="minor">
+            <a:schemeClr val="lt1"/>
+          </a:fontRef>
+        </p:style>
+        <p:txBody>
+          <a:bodyPr rtlCol="0" anchor="ctr"/>
+          <a:lstStyle/>
+          <a:p>
+            <a:pPr algn="ctr"/>
+            <a:r>
+              <a:rPr lang="en-US" sz="2400" dirty="0"/>
+              <a:t>C_plot_new</a:t>
+            </a:r>
+          </a:p>
+        </p:txBody>
+      </p:sp>
+      <p:sp>
+        <p:nvSpPr>
+          <p:cNvPr id="17" name="Oval 16"/>
+          <p:cNvSpPr/>
+          <p:nvPr/>
+        </p:nvSpPr>
+        <p:spPr>
+          <a:xfrm>
+            <a:off x="4282865" y="3139017"/>
+            <a:ext cx="1919669" cy="665828"/>
+          </a:xfrm>
+          <a:prstGeom prst="ellipse">
+            <a:avLst/>
+          </a:prstGeom>
+        </p:spPr>
+        <p:style>
+          <a:lnRef idx="3">
+            <a:schemeClr val="lt1"/>
+          </a:lnRef>
+          <a:fillRef idx="1">
+            <a:schemeClr val="dk1"/>
+          </a:fillRef>
+          <a:effectRef idx="1">
+            <a:schemeClr val="dk1"/>
+          </a:effectRef>
+          <a:fontRef idx="minor">
+            <a:schemeClr val="lt1"/>
+          </a:fontRef>
+        </p:style>
+        <p:txBody>
+          <a:bodyPr rtlCol="0" anchor="ctr"/>
+          <a:lstStyle/>
+          <a:p>
+            <a:pPr algn="ctr"/>
+            <a:r>
+              <a:rPr lang="en-US" sz="2400" dirty="0"/>
+              <a:t>C_plotXY</a:t>
+            </a:r>
+          </a:p>
+        </p:txBody>
+      </p:sp>
+      <p:sp>
+        <p:nvSpPr>
+          <p:cNvPr id="18" name="Oval 17"/>
+          <p:cNvSpPr/>
+          <p:nvPr/>
+        </p:nvSpPr>
+        <p:spPr>
+          <a:xfrm>
+            <a:off x="4490879" y="4131926"/>
+            <a:ext cx="1578120" cy="665830"/>
+          </a:xfrm>
+          <a:prstGeom prst="ellipse">
+            <a:avLst/>
+          </a:prstGeom>
+        </p:spPr>
+        <p:style>
+          <a:lnRef idx="3">
+            <a:schemeClr val="lt1"/>
+          </a:lnRef>
+          <a:fillRef idx="1">
+            <a:schemeClr val="dk1"/>
+          </a:fillRef>
+          <a:effectRef idx="1">
+            <a:schemeClr val="dk1"/>
+          </a:effectRef>
+          <a:fontRef idx="minor">
+            <a:schemeClr val="lt1"/>
+          </a:fontRef>
+        </p:style>
+        <p:txBody>
+          <a:bodyPr rtlCol="0" anchor="ctr"/>
+          <a:lstStyle/>
+          <a:p>
+            <a:pPr algn="ctr"/>
+            <a:r>
+              <a:rPr lang="en-US" sz="2400" dirty="0"/>
+              <a:t>C_rect</a:t>
+            </a:r>
+          </a:p>
+        </p:txBody>
+      </p:sp>
+      <p:sp>
+        <p:nvSpPr>
+          <p:cNvPr id="31" name="Rectangle: Rounded Corners 30"/>
+          <p:cNvSpPr/>
+          <p:nvPr/>
+        </p:nvSpPr>
+        <p:spPr>
+          <a:xfrm>
+            <a:off x="4701466" y="1104163"/>
+            <a:ext cx="2902998" cy="648070"/>
+          </a:xfrm>
+          <a:prstGeom prst="roundRect">
+            <a:avLst/>
+          </a:prstGeom>
+        </p:spPr>
+        <p:style>
+          <a:lnRef idx="3">
+            <a:schemeClr val="lt1"/>
+          </a:lnRef>
+          <a:fillRef idx="1">
+            <a:schemeClr val="dk1"/>
+          </a:fillRef>
+          <a:effectRef idx="1">
+            <a:schemeClr val="dk1"/>
+          </a:effectRef>
+          <a:fontRef idx="minor">
+            <a:schemeClr val="lt1"/>
+          </a:fontRef>
+        </p:style>
+        <p:txBody>
+          <a:bodyPr rtlCol="0" anchor="ctr"/>
+          <a:lstStyle/>
+          <a:p>
+            <a:pPr algn="ctr"/>
+            <a:r>
+              <a:rPr lang="en-US" sz="2400" dirty="0"/>
+              <a:t>Graphics-display-list</a:t>
+            </a:r>
+          </a:p>
+        </p:txBody>
+      </p:sp>
+      <p:sp>
+        <p:nvSpPr>
+          <p:cNvPr id="32" name="TextBox 31"/>
+          <p:cNvSpPr txBox="1"/>
+          <p:nvPr/>
+        </p:nvSpPr>
+        <p:spPr>
+          <a:xfrm>
+            <a:off x="2470009" y="2735389"/>
+            <a:ext cx="1811045" cy="461665"/>
+          </a:xfrm>
+          <a:prstGeom prst="rect">
+            <a:avLst/>
+          </a:prstGeom>
+          <a:noFill/>
+        </p:spPr>
+        <p:txBody>
+          <a:bodyPr wrap="square" rtlCol="0">
+            <a:spAutoFit/>
+          </a:bodyPr>
+          <a:lstStyle/>
+          <a:p>
+            <a:r>
+              <a:rPr lang="en-US" sz="2400" dirty="0"/>
+              <a:t>recordPlot()</a:t>
+            </a:r>
+          </a:p>
+        </p:txBody>
+      </p:sp>
+      <p:sp>
+        <p:nvSpPr>
+          <p:cNvPr id="33" name="TextBox 32"/>
+          <p:cNvSpPr txBox="1"/>
+          <p:nvPr/>
+        </p:nvSpPr>
+        <p:spPr>
+          <a:xfrm>
+            <a:off x="8241899" y="2767950"/>
+            <a:ext cx="1539204" cy="461665"/>
+          </a:xfrm>
+          <a:prstGeom prst="rect">
+            <a:avLst/>
+          </a:prstGeom>
+          <a:noFill/>
+        </p:spPr>
+        <p:txBody>
+          <a:bodyPr wrap="none" rtlCol="0">
+            <a:spAutoFit/>
+          </a:bodyPr>
+          <a:lstStyle/>
+          <a:p>
+            <a:r>
+              <a:rPr lang="en-US" sz="2400" dirty="0"/>
+              <a:t>grid.echo()</a:t>
+            </a:r>
+          </a:p>
+        </p:txBody>
+      </p:sp>
+      <p:sp>
+        <p:nvSpPr>
+          <p:cNvPr id="36" name="Oval 35"/>
+          <p:cNvSpPr/>
+          <p:nvPr/>
+        </p:nvSpPr>
+        <p:spPr>
+          <a:xfrm>
+            <a:off x="6296616" y="3149400"/>
+            <a:ext cx="1578120" cy="665830"/>
+          </a:xfrm>
+          <a:prstGeom prst="ellipse">
+            <a:avLst/>
+          </a:prstGeom>
+        </p:spPr>
+        <p:style>
+          <a:lnRef idx="3">
+            <a:schemeClr val="lt1"/>
+          </a:lnRef>
+          <a:fillRef idx="1">
+            <a:schemeClr val="dk1"/>
+          </a:fillRef>
+          <a:effectRef idx="1">
+            <a:schemeClr val="dk1"/>
+          </a:effectRef>
+          <a:fontRef idx="minor">
+            <a:schemeClr val="lt1"/>
+          </a:fontRef>
+        </p:style>
+        <p:txBody>
+          <a:bodyPr rtlCol="0" anchor="ctr"/>
+          <a:lstStyle/>
+          <a:p>
+            <a:pPr algn="ctr"/>
+            <a:r>
+              <a:rPr lang="en-US" sz="2400" dirty="0"/>
+              <a:t>C_axis</a:t>
+            </a:r>
+          </a:p>
+        </p:txBody>
+      </p:sp>
+      <p:sp>
+        <p:nvSpPr>
+          <p:cNvPr id="37" name="Oval 36"/>
+          <p:cNvSpPr/>
+          <p:nvPr/>
+        </p:nvSpPr>
+        <p:spPr>
+          <a:xfrm>
+            <a:off x="6371706" y="4131926"/>
+            <a:ext cx="1578120" cy="665830"/>
+          </a:xfrm>
+          <a:prstGeom prst="ellipse">
+            <a:avLst/>
+          </a:prstGeom>
+        </p:spPr>
+        <p:style>
+          <a:lnRef idx="3">
+            <a:schemeClr val="lt1"/>
+          </a:lnRef>
+          <a:fillRef idx="1">
+            <a:schemeClr val="dk1"/>
+          </a:fillRef>
+          <a:effectRef idx="1">
+            <a:schemeClr val="dk1"/>
+          </a:effectRef>
+          <a:fontRef idx="minor">
+            <a:schemeClr val="lt1"/>
+          </a:fontRef>
+        </p:style>
+        <p:txBody>
+          <a:bodyPr rtlCol="0" anchor="ctr"/>
+          <a:lstStyle/>
+          <a:p>
+            <a:pPr algn="ctr"/>
+            <a:r>
+              <a:rPr lang="en-US" sz="2400" dirty="0"/>
+              <a:t>…</a:t>
+            </a:r>
+          </a:p>
+        </p:txBody>
+      </p:sp>
+      <p:sp>
+        <p:nvSpPr>
+          <p:cNvPr id="10" name="Arrow: Right 9"/>
+          <p:cNvSpPr/>
+          <p:nvPr/>
+        </p:nvSpPr>
+        <p:spPr>
+          <a:xfrm>
+            <a:off x="2615503" y="3197054"/>
+            <a:ext cx="1332960" cy="484632"/>
+          </a:xfrm>
+          <a:prstGeom prst="rightArrow">
+            <a:avLst/>
+          </a:prstGeom>
+        </p:spPr>
+        <p:style>
+          <a:lnRef idx="2">
+            <a:schemeClr val="accent1">
+              <a:shade val="50000"/>
+            </a:schemeClr>
+          </a:lnRef>
+          <a:fillRef idx="1">
             <a:schemeClr val="accent1"/>
           </a:fillRef>
           <a:effectRef idx="0">
             <a:schemeClr val="accent1"/>
           </a:effectRef>
           <a:fontRef idx="minor">
-            <a:schemeClr val="tx1"/>
+            <a:schemeClr val="lt1"/>
           </a:fontRef>
         </p:style>
-      </p:cxnSp>
-      <p:cxnSp>
-        <p:nvCxnSpPr>
-          <p:cNvPr id="11" name="Straight Arrow Connector 10"/>
-          <p:cNvCxnSpPr>
-            <a:stCxn id="6" idx="3"/>
-            <a:endCxn id="7" idx="2"/>
-          </p:cNvCxnSpPr>
+        <p:txBody>
+          <a:bodyPr rtlCol="0" anchor="ctr"/>
+          <a:lstStyle/>
+          <a:p>
+            <a:pPr algn="ctr"/>
+            <a:endParaRPr lang="en-US"/>
+          </a:p>
+        </p:txBody>
+      </p:sp>
+      <p:sp>
+        <p:nvSpPr>
+          <p:cNvPr id="20" name="Arrow: Right 19"/>
+          <p:cNvSpPr/>
           <p:nvPr/>
-        </p:nvCxnSpPr>
-        <p:spPr>
-          <a:xfrm>
-            <a:off x="8252534" y="3377951"/>
-            <a:ext cx="1541016" cy="0"/>
-          </a:xfrm>
-          <a:prstGeom prst="straightConnector1">
+        </p:nvSpPr>
+        <p:spPr>
+          <a:xfrm>
+            <a:off x="8355656" y="3229615"/>
+            <a:ext cx="1332960" cy="484632"/>
+          </a:xfrm>
+          <a:prstGeom prst="rightArrow">
             <a:avLst/>
           </a:prstGeom>
-          <a:ln>
-            <a:tailEnd type="triangle"/>
-          </a:ln>
         </p:spPr>
         <p:style>
-          <a:lnRef idx="1">
-            <a:schemeClr val="accent1"/>
+          <a:lnRef idx="2">
+            <a:schemeClr val="accent1">
+              <a:shade val="50000"/>
+            </a:schemeClr>
           </a:lnRef>
-          <a:fillRef idx="0">
+          <a:fillRef idx="1">
             <a:schemeClr val="accent1"/>
           </a:fillRef>
           <a:effectRef idx="0">
             <a:schemeClr val="accent1"/>
           </a:effectRef>
           <a:fontRef idx="minor">
-            <a:schemeClr val="tx1"/>
-          </a:fontRef>
-        </p:style>
-      </p:cxnSp>
-      <p:sp>
-        <p:nvSpPr>
-          <p:cNvPr id="16" name="Oval 15"/>
-          <p:cNvSpPr/>
-          <p:nvPr/>
-        </p:nvSpPr>
-        <p:spPr>
-          <a:xfrm>
-            <a:off x="5221364" y="2095856"/>
-            <a:ext cx="1864312" cy="736848"/>
-          </a:xfrm>
-          <a:prstGeom prst="ellipse">
-            <a:avLst/>
-          </a:prstGeom>
-        </p:spPr>
-        <p:style>
-          <a:lnRef idx="3">
-            <a:schemeClr val="lt1"/>
-          </a:lnRef>
-          <a:fillRef idx="1">
-            <a:schemeClr val="accent3"/>
-          </a:fillRef>
-          <a:effectRef idx="1">
-            <a:schemeClr val="accent3"/>
-          </a:effectRef>
-          <a:fontRef idx="minor">
             <a:schemeClr val="lt1"/>
           </a:fontRef>
         </p:style>
@@ -3175,275 +3449,7 @@
           <a:lstStyle/>
           <a:p>
             <a:pPr algn="ctr"/>
-            <a:r>
-              <a:rPr lang="en-US" dirty="0"/>
-              <a:t>C_plot_new</a:t>
-            </a:r>
-          </a:p>
-        </p:txBody>
-      </p:sp>
-      <p:sp>
-        <p:nvSpPr>
-          <p:cNvPr id="17" name="Oval 16"/>
-          <p:cNvSpPr/>
-          <p:nvPr/>
-        </p:nvSpPr>
-        <p:spPr>
-          <a:xfrm>
-            <a:off x="4701466" y="3139017"/>
-            <a:ext cx="1501068" cy="665828"/>
-          </a:xfrm>
-          <a:prstGeom prst="ellipse">
-            <a:avLst/>
-          </a:prstGeom>
-        </p:spPr>
-        <p:style>
-          <a:lnRef idx="3">
-            <a:schemeClr val="lt1"/>
-          </a:lnRef>
-          <a:fillRef idx="1">
-            <a:schemeClr val="accent3"/>
-          </a:fillRef>
-          <a:effectRef idx="1">
-            <a:schemeClr val="accent3"/>
-          </a:effectRef>
-          <a:fontRef idx="minor">
-            <a:schemeClr val="lt1"/>
-          </a:fontRef>
-        </p:style>
-        <p:txBody>
-          <a:bodyPr rtlCol="0" anchor="ctr"/>
-          <a:lstStyle/>
-          <a:p>
-            <a:pPr algn="ctr"/>
-            <a:r>
-              <a:rPr lang="en-US" dirty="0"/>
-              <a:t>C_plotXY</a:t>
-            </a:r>
-          </a:p>
-        </p:txBody>
-      </p:sp>
-      <p:sp>
-        <p:nvSpPr>
-          <p:cNvPr id="18" name="Oval 17"/>
-          <p:cNvSpPr/>
-          <p:nvPr/>
-        </p:nvSpPr>
-        <p:spPr>
-          <a:xfrm>
-            <a:off x="4835001" y="4131926"/>
-            <a:ext cx="1233997" cy="665830"/>
-          </a:xfrm>
-          <a:prstGeom prst="ellipse">
-            <a:avLst/>
-          </a:prstGeom>
-        </p:spPr>
-        <p:style>
-          <a:lnRef idx="3">
-            <a:schemeClr val="lt1"/>
-          </a:lnRef>
-          <a:fillRef idx="1">
-            <a:schemeClr val="accent3"/>
-          </a:fillRef>
-          <a:effectRef idx="1">
-            <a:schemeClr val="accent3"/>
-          </a:effectRef>
-          <a:fontRef idx="minor">
-            <a:schemeClr val="lt1"/>
-          </a:fontRef>
-        </p:style>
-        <p:txBody>
-          <a:bodyPr rtlCol="0" anchor="ctr"/>
-          <a:lstStyle/>
-          <a:p>
-            <a:pPr algn="ctr"/>
-            <a:r>
-              <a:rPr lang="en-US" dirty="0"/>
-              <a:t>C_rect</a:t>
-            </a:r>
-          </a:p>
-        </p:txBody>
-      </p:sp>
-      <p:sp>
-        <p:nvSpPr>
-          <p:cNvPr id="31" name="Rectangle: Rounded Corners 30"/>
-          <p:cNvSpPr/>
-          <p:nvPr/>
-        </p:nvSpPr>
-        <p:spPr>
-          <a:xfrm>
-            <a:off x="4701466" y="1104163"/>
-            <a:ext cx="2902998" cy="648070"/>
-          </a:xfrm>
-          <a:prstGeom prst="roundRect">
-            <a:avLst/>
-          </a:prstGeom>
-        </p:spPr>
-        <p:style>
-          <a:lnRef idx="2">
-            <a:schemeClr val="accent3">
-              <a:shade val="50000"/>
-            </a:schemeClr>
-          </a:lnRef>
-          <a:fillRef idx="1">
-            <a:schemeClr val="accent3"/>
-          </a:fillRef>
-          <a:effectRef idx="0">
-            <a:schemeClr val="accent3"/>
-          </a:effectRef>
-          <a:fontRef idx="minor">
-            <a:schemeClr val="lt1"/>
-          </a:fontRef>
-        </p:style>
-        <p:txBody>
-          <a:bodyPr rtlCol="0" anchor="ctr"/>
-          <a:lstStyle/>
-          <a:p>
-            <a:pPr algn="ctr"/>
-            <a:r>
-              <a:rPr lang="en-US" dirty="0"/>
-              <a:t>Graphics-display-list</a:t>
-            </a:r>
-          </a:p>
-        </p:txBody>
-      </p:sp>
-      <p:sp>
-        <p:nvSpPr>
-          <p:cNvPr id="32" name="TextBox 31"/>
-          <p:cNvSpPr txBox="1"/>
-          <p:nvPr/>
-        </p:nvSpPr>
-        <p:spPr>
-          <a:xfrm>
-            <a:off x="2434905" y="2926275"/>
-            <a:ext cx="1811045" cy="461665"/>
-          </a:xfrm>
-          <a:prstGeom prst="rect">
-            <a:avLst/>
-          </a:prstGeom>
-          <a:noFill/>
-        </p:spPr>
-        <p:txBody>
-          <a:bodyPr wrap="square" rtlCol="0">
-            <a:spAutoFit/>
-          </a:bodyPr>
-          <a:lstStyle/>
-          <a:p>
-            <a:r>
-              <a:rPr lang="en-US" sz="2400" dirty="0"/>
-              <a:t>recordPlot()</a:t>
-            </a:r>
-          </a:p>
-        </p:txBody>
-      </p:sp>
-      <p:sp>
-        <p:nvSpPr>
-          <p:cNvPr id="33" name="TextBox 32"/>
-          <p:cNvSpPr txBox="1"/>
-          <p:nvPr/>
-        </p:nvSpPr>
-        <p:spPr>
-          <a:xfrm>
-            <a:off x="8254345" y="2930171"/>
-            <a:ext cx="1539204" cy="461665"/>
-          </a:xfrm>
-          <a:prstGeom prst="rect">
-            <a:avLst/>
-          </a:prstGeom>
-          <a:noFill/>
-        </p:spPr>
-        <p:txBody>
-          <a:bodyPr wrap="none" rtlCol="0">
-            <a:spAutoFit/>
-          </a:bodyPr>
-          <a:lstStyle/>
-          <a:p>
-            <a:r>
-              <a:rPr lang="en-US" sz="2400" dirty="0"/>
-              <a:t>grid.echo()</a:t>
-            </a:r>
-          </a:p>
-        </p:txBody>
-      </p:sp>
-      <p:sp>
-        <p:nvSpPr>
-          <p:cNvPr id="36" name="Oval 35"/>
-          <p:cNvSpPr/>
-          <p:nvPr/>
-        </p:nvSpPr>
-        <p:spPr>
-          <a:xfrm>
-            <a:off x="6371762" y="3139017"/>
-            <a:ext cx="1233997" cy="665830"/>
-          </a:xfrm>
-          <a:prstGeom prst="ellipse">
-            <a:avLst/>
-          </a:prstGeom>
-        </p:spPr>
-        <p:style>
-          <a:lnRef idx="3">
-            <a:schemeClr val="lt1"/>
-          </a:lnRef>
-          <a:fillRef idx="1">
-            <a:schemeClr val="accent3"/>
-          </a:fillRef>
-          <a:effectRef idx="1">
-            <a:schemeClr val="accent3"/>
-          </a:effectRef>
-          <a:fontRef idx="minor">
-            <a:schemeClr val="lt1"/>
-          </a:fontRef>
-        </p:style>
-        <p:txBody>
-          <a:bodyPr rtlCol="0" anchor="ctr"/>
-          <a:lstStyle/>
-          <a:p>
-            <a:pPr algn="ctr"/>
-            <a:r>
-              <a:rPr lang="en-US" dirty="0"/>
-              <a:t>C_axis</a:t>
-            </a:r>
-          </a:p>
-        </p:txBody>
-      </p:sp>
-      <p:sp>
-        <p:nvSpPr>
-          <p:cNvPr id="37" name="Oval 36"/>
-          <p:cNvSpPr/>
-          <p:nvPr/>
-        </p:nvSpPr>
-        <p:spPr>
-          <a:xfrm>
-            <a:off x="6370467" y="4131926"/>
-            <a:ext cx="1233997" cy="665830"/>
-          </a:xfrm>
-          <a:prstGeom prst="ellipse">
-            <a:avLst/>
-          </a:prstGeom>
-        </p:spPr>
-        <p:style>
-          <a:lnRef idx="3">
-            <a:schemeClr val="lt1"/>
-          </a:lnRef>
-          <a:fillRef idx="1">
-            <a:schemeClr val="accent3"/>
-          </a:fillRef>
-          <a:effectRef idx="1">
-            <a:schemeClr val="accent3"/>
-          </a:effectRef>
-          <a:fontRef idx="minor">
-            <a:schemeClr val="lt1"/>
-          </a:fontRef>
-        </p:style>
-        <p:txBody>
-          <a:bodyPr rtlCol="0" anchor="ctr"/>
-          <a:lstStyle/>
-          <a:p>
-            <a:pPr algn="ctr"/>
-            <a:r>
-              <a:rPr lang="en-US" dirty="0"/>
-              <a:t>…</a:t>
-            </a:r>
+            <a:endParaRPr lang="en-US"/>
           </a:p>
         </p:txBody>
       </p:sp>
